--- a/documentation/Presentation.pptx
+++ b/documentation/Presentation.pptx
@@ -7,10 +7,10 @@
   <p:sldIdLst>
     <p:sldId id="256" r:id="rId2"/>
     <p:sldId id="257" r:id="rId3"/>
-    <p:sldId id="261" r:id="rId4"/>
-    <p:sldId id="258" r:id="rId5"/>
-    <p:sldId id="259" r:id="rId6"/>
-    <p:sldId id="260" r:id="rId7"/>
+    <p:sldId id="264" r:id="rId4"/>
+    <p:sldId id="262" r:id="rId5"/>
+    <p:sldId id="261" r:id="rId6"/>
+    <p:sldId id="263" r:id="rId7"/>
   </p:sldIdLst>
   <p:sldSz cx="12192000" cy="6858000"/>
   <p:notesSz cx="6858000" cy="9144000"/>
@@ -4397,7 +4397,7 @@
           <a:p>
             <a:fld id="{846CE7D5-CF57-46EF-B807-FDD0502418D4}" type="datetimeFigureOut">
               <a:rPr lang="en-US" smtClean="0"/>
-              <a:t>2/8/2018</a:t>
+              <a:t>3/5/2018</a:t>
             </a:fld>
             <a:endParaRPr lang="en-US"/>
           </a:p>
@@ -4664,7 +4664,7 @@
           <a:p>
             <a:fld id="{846CE7D5-CF57-46EF-B807-FDD0502418D4}" type="datetimeFigureOut">
               <a:rPr lang="en-US" smtClean="0"/>
-              <a:t>2/8/2018</a:t>
+              <a:t>3/5/2018</a:t>
             </a:fld>
             <a:endParaRPr lang="en-US"/>
           </a:p>
@@ -4860,7 +4860,7 @@
           <a:p>
             <a:fld id="{846CE7D5-CF57-46EF-B807-FDD0502418D4}" type="datetimeFigureOut">
               <a:rPr lang="en-US" smtClean="0"/>
-              <a:t>2/8/2018</a:t>
+              <a:t>3/5/2018</a:t>
             </a:fld>
             <a:endParaRPr lang="en-US"/>
           </a:p>
@@ -5123,7 +5123,7 @@
           <a:p>
             <a:fld id="{846CE7D5-CF57-46EF-B807-FDD0502418D4}" type="datetimeFigureOut">
               <a:rPr lang="en-US" smtClean="0"/>
-              <a:t>2/8/2018</a:t>
+              <a:t>3/5/2018</a:t>
             </a:fld>
             <a:endParaRPr lang="en-US"/>
           </a:p>
@@ -5557,7 +5557,7 @@
           <a:p>
             <a:fld id="{846CE7D5-CF57-46EF-B807-FDD0502418D4}" type="datetimeFigureOut">
               <a:rPr lang="en-US" smtClean="0"/>
-              <a:t>2/8/2018</a:t>
+              <a:t>3/5/2018</a:t>
             </a:fld>
             <a:endParaRPr lang="en-US"/>
           </a:p>
@@ -6103,7 +6103,7 @@
           <a:p>
             <a:fld id="{846CE7D5-CF57-46EF-B807-FDD0502418D4}" type="datetimeFigureOut">
               <a:rPr lang="en-US" smtClean="0"/>
-              <a:t>2/8/2018</a:t>
+              <a:t>3/5/2018</a:t>
             </a:fld>
             <a:endParaRPr lang="en-US"/>
           </a:p>
@@ -6823,7 +6823,7 @@
           <a:p>
             <a:fld id="{846CE7D5-CF57-46EF-B807-FDD0502418D4}" type="datetimeFigureOut">
               <a:rPr lang="en-US" smtClean="0"/>
-              <a:t>2/8/2018</a:t>
+              <a:t>3/5/2018</a:t>
             </a:fld>
             <a:endParaRPr lang="en-US"/>
           </a:p>
@@ -6993,7 +6993,7 @@
           <a:p>
             <a:fld id="{846CE7D5-CF57-46EF-B807-FDD0502418D4}" type="datetimeFigureOut">
               <a:rPr lang="en-US" smtClean="0"/>
-              <a:t>2/8/2018</a:t>
+              <a:t>3/5/2018</a:t>
             </a:fld>
             <a:endParaRPr lang="en-US"/>
           </a:p>
@@ -7173,7 +7173,7 @@
           <a:p>
             <a:fld id="{846CE7D5-CF57-46EF-B807-FDD0502418D4}" type="datetimeFigureOut">
               <a:rPr lang="en-US" smtClean="0"/>
-              <a:t>2/8/2018</a:t>
+              <a:t>3/5/2018</a:t>
             </a:fld>
             <a:endParaRPr lang="en-US"/>
           </a:p>
@@ -7343,7 +7343,7 @@
           <a:p>
             <a:fld id="{846CE7D5-CF57-46EF-B807-FDD0502418D4}" type="datetimeFigureOut">
               <a:rPr lang="en-US" smtClean="0"/>
-              <a:t>2/8/2018</a:t>
+              <a:t>3/5/2018</a:t>
             </a:fld>
             <a:endParaRPr lang="en-US"/>
           </a:p>
@@ -7593,7 +7593,7 @@
           <a:p>
             <a:fld id="{846CE7D5-CF57-46EF-B807-FDD0502418D4}" type="datetimeFigureOut">
               <a:rPr lang="en-US" smtClean="0"/>
-              <a:t>2/8/2018</a:t>
+              <a:t>3/5/2018</a:t>
             </a:fld>
             <a:endParaRPr lang="en-US"/>
           </a:p>
@@ -7825,7 +7825,7 @@
           <a:p>
             <a:fld id="{846CE7D5-CF57-46EF-B807-FDD0502418D4}" type="datetimeFigureOut">
               <a:rPr lang="en-US" smtClean="0"/>
-              <a:t>2/8/2018</a:t>
+              <a:t>3/5/2018</a:t>
             </a:fld>
             <a:endParaRPr lang="en-US"/>
           </a:p>
@@ -8206,7 +8206,7 @@
           <a:p>
             <a:fld id="{846CE7D5-CF57-46EF-B807-FDD0502418D4}" type="datetimeFigureOut">
               <a:rPr lang="en-US" smtClean="0"/>
-              <a:t>2/8/2018</a:t>
+              <a:t>3/5/2018</a:t>
             </a:fld>
             <a:endParaRPr lang="en-US"/>
           </a:p>
@@ -8324,7 +8324,7 @@
           <a:p>
             <a:fld id="{846CE7D5-CF57-46EF-B807-FDD0502418D4}" type="datetimeFigureOut">
               <a:rPr lang="en-US" smtClean="0"/>
-              <a:t>2/8/2018</a:t>
+              <a:t>3/5/2018</a:t>
             </a:fld>
             <a:endParaRPr lang="en-US"/>
           </a:p>
@@ -8419,7 +8419,7 @@
           <a:p>
             <a:fld id="{846CE7D5-CF57-46EF-B807-FDD0502418D4}" type="datetimeFigureOut">
               <a:rPr lang="en-US" smtClean="0"/>
-              <a:t>2/8/2018</a:t>
+              <a:t>3/5/2018</a:t>
             </a:fld>
             <a:endParaRPr lang="en-US"/>
           </a:p>
@@ -8668,7 +8668,7 @@
           <a:p>
             <a:fld id="{846CE7D5-CF57-46EF-B807-FDD0502418D4}" type="datetimeFigureOut">
               <a:rPr lang="en-US" smtClean="0"/>
-              <a:t>2/8/2018</a:t>
+              <a:t>3/5/2018</a:t>
             </a:fld>
             <a:endParaRPr lang="en-US"/>
           </a:p>
@@ -8948,7 +8948,7 @@
           <a:p>
             <a:fld id="{846CE7D5-CF57-46EF-B807-FDD0502418D4}" type="datetimeFigureOut">
               <a:rPr lang="en-US" smtClean="0"/>
-              <a:t>2/8/2018</a:t>
+              <a:t>3/5/2018</a:t>
             </a:fld>
             <a:endParaRPr lang="en-US"/>
           </a:p>
@@ -12025,7 +12025,7 @@
           <a:p>
             <a:fld id="{846CE7D5-CF57-46EF-B807-FDD0502418D4}" type="datetimeFigureOut">
               <a:rPr lang="en-US" smtClean="0"/>
-              <a:t>2/8/2018</a:t>
+              <a:t>3/5/2018</a:t>
             </a:fld>
             <a:endParaRPr lang="en-US"/>
           </a:p>
@@ -12713,9 +12713,10 @@
           <a:p>
             <a:pPr algn="ctr"/>
             <a:r>
-              <a:rPr lang="en-US" sz="2800" b="1" dirty="0"/>
-              <a:t>PROJECT GOAL AND OBJECTIVES</a:t>
-            </a:r>
+              <a:rPr lang="en-US" sz="2800" b="1" dirty="0" smtClean="0"/>
+              <a:t>UPDATED PROJECT IDEA</a:t>
+            </a:r>
+            <a:endParaRPr lang="en-US" sz="2800" b="1" dirty="0"/>
           </a:p>
         </p:txBody>
       </p:sp>
@@ -12734,7 +12735,7 @@
         <p:spPr>
           <a:xfrm>
             <a:off x="647700" y="1666875"/>
-            <a:ext cx="9302159" cy="2585323"/>
+            <a:ext cx="9302159" cy="923330"/>
           </a:xfrm>
           <a:prstGeom prst="rect">
             <a:avLst/>
@@ -12750,82 +12751,33 @@
           <a:lstStyle/>
           <a:p>
             <a:r>
-              <a:rPr lang="en-US" b="1" dirty="0">
+              <a:rPr lang="en-US" b="1" dirty="0" smtClean="0">
                 <a:solidFill>
                   <a:srgbClr val="7030A0"/>
                 </a:solidFill>
                 <a:latin typeface="Calibri"/>
               </a:rPr>
-              <a:t>Motivation</a:t>
-            </a:r>
-            <a:r>
-              <a:rPr lang="en-US" dirty="0">
-                <a:latin typeface="Calibri"/>
-              </a:rPr>
-              <a:t>: </a:t>
-            </a:r>
-            <a:r>
-              <a:rPr lang="en-US" dirty="0"/>
-              <a:t>Advertisement in social media is a trending platform and its evolving continuously. We as a team want to be part of that revolution.</a:t>
-            </a:r>
-          </a:p>
-          <a:p>
-            <a:endParaRPr lang="en-US" dirty="0">
+              <a:t>OLD IDEA</a:t>
+            </a:r>
+          </a:p>
+          <a:p>
+            <a:endParaRPr lang="en-US" b="1" dirty="0">
+              <a:solidFill>
+                <a:srgbClr val="7030A0"/>
+              </a:solidFill>
               <a:latin typeface="Calibri"/>
             </a:endParaRPr>
           </a:p>
           <a:p>
             <a:r>
-              <a:rPr lang="en-US" b="1" dirty="0">
+              <a:rPr lang="en-US" b="1" dirty="0" smtClean="0">
                 <a:solidFill>
                   <a:srgbClr val="7030A0"/>
                 </a:solidFill>
                 <a:latin typeface="Calibri"/>
               </a:rPr>
-              <a:t>Significance: </a:t>
-            </a:r>
-            <a:r>
-              <a:rPr lang="en-US" dirty="0"/>
-              <a:t>This kind of ideas have not yet become fully implemented on all social media. But it is trending and will be the most </a:t>
-            </a:r>
-            <a:r>
-              <a:rPr lang="en-US" dirty="0" err="1"/>
-              <a:t>successfull</a:t>
-            </a:r>
-            <a:r>
-              <a:rPr lang="en-US" dirty="0"/>
-              <a:t> idea in the coming years. Billions of dollars are being invested on these ideas.</a:t>
-            </a:r>
-          </a:p>
-          <a:p>
-            <a:endParaRPr lang="en-US" dirty="0">
-              <a:solidFill>
-                <a:srgbClr val="7030A0"/>
-              </a:solidFill>
-              <a:latin typeface="Calibri"/>
-            </a:endParaRPr>
-          </a:p>
-          <a:p>
-            <a:r>
-              <a:rPr lang="en-US" b="1" dirty="0">
-                <a:solidFill>
-                  <a:srgbClr val="7030A0"/>
-                </a:solidFill>
-                <a:latin typeface="Calibri"/>
-              </a:rPr>
-              <a:t>Objectives: </a:t>
-            </a:r>
-            <a:r>
-              <a:rPr lang="en-US" b="1" dirty="0">
-                <a:solidFill>
-                  <a:srgbClr val="000000"/>
-                </a:solidFill>
-                <a:latin typeface="Calibri"/>
-              </a:rPr>
-              <a:t>TO POST AN AR ADD ON SOCIAL MEDIA</a:t>
-            </a:r>
-          </a:p>
-          <a:p>
+              <a:t>NEW IDEA</a:t>
+            </a:r>
             <a:endParaRPr lang="en-US" b="1" dirty="0">
               <a:solidFill>
                 <a:srgbClr val="7030A0"/>
@@ -12867,93 +12819,252 @@
       </p:grpSpPr>
       <p:sp>
         <p:nvSpPr>
-          <p:cNvPr id="2" name="Title 1">
+          <p:cNvPr id="2" name="TextBox 1">
             <a:extLst>
               <a:ext uri="{FF2B5EF4-FFF2-40B4-BE49-F238E27FC236}">
-                <a16:creationId xmlns:a16="http://schemas.microsoft.com/office/drawing/2014/main" xmlns="" id="{3D9988B3-4C03-4022-BFBD-C66490D35B9B}"/>
+                <a16:creationId xmlns:a16="http://schemas.microsoft.com/office/drawing/2014/main" xmlns="" id="{1D9C32A4-AC66-43E9-90C9-A0994F0AEC90}"/>
               </a:ext>
             </a:extLst>
           </p:cNvPr>
-          <p:cNvSpPr>
-            <a:spLocks noGrp="1"/>
-          </p:cNvSpPr>
-          <p:nvPr>
-            <p:ph type="title"/>
-          </p:nvPr>
+          <p:cNvSpPr txBox="1"/>
+          <p:nvPr/>
         </p:nvSpPr>
-        <p:spPr/>
+        <p:spPr>
+          <a:xfrm>
+            <a:off x="665163" y="390525"/>
+            <a:ext cx="8685212" cy="523220"/>
+          </a:xfrm>
+          <a:prstGeom prst="rect">
+            <a:avLst/>
+          </a:prstGeom>
+        </p:spPr>
+        <p:style>
+          <a:lnRef idx="2">
+            <a:schemeClr val="accent1">
+              <a:shade val="50000"/>
+            </a:schemeClr>
+          </a:lnRef>
+          <a:fillRef idx="1">
+            <a:schemeClr val="accent1"/>
+          </a:fillRef>
+          <a:effectRef idx="0">
+            <a:schemeClr val="accent1"/>
+          </a:effectRef>
+          <a:fontRef idx="minor">
+            <a:schemeClr val="lt1"/>
+          </a:fontRef>
+        </p:style>
         <p:txBody>
-          <a:bodyPr/>
+          <a:bodyPr rot="0" spcFirstLastPara="0" vertOverflow="overflow" horzOverflow="overflow" vert="horz" wrap="square" lIns="91440" tIns="45720" rIns="91440" bIns="45720" numCol="1" spcCol="0" rtlCol="0" fromWordArt="0" anchor="t" anchorCtr="0" forceAA="0" compatLnSpc="1">
+            <a:prstTxWarp prst="textNoShape">
+              <a:avLst/>
+            </a:prstTxWarp>
+            <a:spAutoFit/>
+          </a:bodyPr>
           <a:lstStyle/>
           <a:p>
-            <a:r>
-              <a:rPr lang="en-US" b="1" dirty="0"/>
-              <a:t>System Features:</a:t>
-            </a:r>
-            <a:endParaRPr lang="en-US" dirty="0">
-              <a:solidFill>
-                <a:schemeClr val="tx1"/>
-              </a:solidFill>
-            </a:endParaRPr>
+            <a:pPr algn="ctr"/>
+            <a:r>
+              <a:rPr lang="en-US" sz="2800" b="1" dirty="0" smtClean="0"/>
+              <a:t>USER STORIES</a:t>
+            </a:r>
+            <a:endParaRPr lang="en-US" sz="2800" b="1" dirty="0"/>
           </a:p>
         </p:txBody>
       </p:sp>
       <p:sp>
         <p:nvSpPr>
-          <p:cNvPr id="3" name="Content Placeholder 2">
+          <p:cNvPr id="3" name="TextBox 2">
             <a:extLst>
               <a:ext uri="{FF2B5EF4-FFF2-40B4-BE49-F238E27FC236}">
-                <a16:creationId xmlns:a16="http://schemas.microsoft.com/office/drawing/2014/main" xmlns="" id="{08222650-6837-46DE-B8D1-DD5368AC7539}"/>
+                <a16:creationId xmlns:a16="http://schemas.microsoft.com/office/drawing/2014/main" xmlns="" id="{722284D3-9D39-4BB1-A7CC-3EE2333811BE}"/>
               </a:ext>
             </a:extLst>
           </p:cNvPr>
-          <p:cNvSpPr>
-            <a:spLocks noGrp="1"/>
-          </p:cNvSpPr>
-          <p:nvPr>
-            <p:ph idx="1"/>
-          </p:nvPr>
+          <p:cNvSpPr txBox="1"/>
+          <p:nvPr/>
         </p:nvSpPr>
-        <p:spPr/>
+        <p:spPr>
+          <a:xfrm>
+            <a:off x="647700" y="1666875"/>
+            <a:ext cx="9302159" cy="4247317"/>
+          </a:xfrm>
+          <a:prstGeom prst="rect">
+            <a:avLst/>
+          </a:prstGeom>
+        </p:spPr>
         <p:txBody>
-          <a:bodyPr vert="horz" lIns="91440" tIns="45720" rIns="91440" bIns="45720" rtlCol="0" anchor="t">
-            <a:normAutofit/>
+          <a:bodyPr rot="0" spcFirstLastPara="0" vertOverflow="overflow" horzOverflow="overflow" vert="horz" wrap="square" lIns="91440" tIns="45720" rIns="91440" bIns="45720" numCol="1" spcCol="0" rtlCol="0" fromWordArt="0" anchor="t" anchorCtr="0" forceAA="0" compatLnSpc="1">
+            <a:prstTxWarp prst="textNoShape">
+              <a:avLst/>
+            </a:prstTxWarp>
+            <a:spAutoFit/>
           </a:bodyPr>
           <a:lstStyle/>
           <a:p>
-            <a:pPr lvl="0"/>
-            <a:r>
-              <a:rPr lang="en-US" dirty="0"/>
-              <a:t>Gather and display user's interests</a:t>
-            </a:r>
-          </a:p>
-          <a:p>
-            <a:pPr lvl="0"/>
-            <a:r>
-              <a:rPr lang="en-US" dirty="0"/>
-              <a:t>Posting add on </a:t>
-            </a:r>
-            <a:r>
-              <a:rPr lang="en-US" dirty="0" err="1"/>
-              <a:t>facebook</a:t>
-            </a:r>
-            <a:r>
-              <a:rPr lang="en-US" dirty="0"/>
-              <a:t> page of user</a:t>
-            </a:r>
-          </a:p>
-          <a:p>
-            <a:pPr marL="0" indent="0">
-              <a:buNone/>
-            </a:pPr>
-            <a:endParaRPr lang="en-US" dirty="0"/>
+            <a:r>
+              <a:rPr lang="en-US" b="1" dirty="0" smtClean="0">
+                <a:solidFill>
+                  <a:srgbClr val="7030A0"/>
+                </a:solidFill>
+                <a:latin typeface="Calibri"/>
+              </a:rPr>
+              <a:t>MD USMAN GANI</a:t>
+            </a:r>
+            <a:endParaRPr lang="en-IN" dirty="0" smtClean="0"/>
+          </a:p>
+          <a:p>
+            <a:r>
+              <a:rPr lang="en-IN" dirty="0" smtClean="0"/>
+              <a:t>Explore </a:t>
+            </a:r>
+            <a:r>
+              <a:rPr lang="en-IN" dirty="0"/>
+              <a:t>and find best suitable </a:t>
+            </a:r>
+            <a:r>
+              <a:rPr lang="en-IN" dirty="0" smtClean="0"/>
+              <a:t>technologies(8)</a:t>
+            </a:r>
+            <a:endParaRPr lang="en-IN" dirty="0"/>
+          </a:p>
+          <a:p>
+            <a:r>
+              <a:rPr lang="en-IN" dirty="0"/>
+              <a:t>Create a sample AR application with 3d object </a:t>
+            </a:r>
+            <a:r>
+              <a:rPr lang="en-IN" dirty="0" smtClean="0"/>
+              <a:t>cube(8)</a:t>
+            </a:r>
+            <a:endParaRPr lang="en-IN" dirty="0"/>
+          </a:p>
+          <a:p>
+            <a:r>
+              <a:rPr lang="en-IN" dirty="0"/>
+              <a:t>Teach the learnings to team </a:t>
+            </a:r>
+            <a:r>
+              <a:rPr lang="en-IN" dirty="0" smtClean="0"/>
+              <a:t>members(8)</a:t>
+            </a:r>
+          </a:p>
+          <a:p>
+            <a:endParaRPr lang="en-IN" dirty="0" smtClean="0"/>
+          </a:p>
+          <a:p>
+            <a:r>
+              <a:rPr lang="en-US" b="1" dirty="0" smtClean="0">
+                <a:solidFill>
+                  <a:srgbClr val="7030A0"/>
+                </a:solidFill>
+                <a:latin typeface="Calibri"/>
+              </a:rPr>
+              <a:t>MADHUKAR</a:t>
+            </a:r>
+          </a:p>
+          <a:p>
+            <a:r>
+              <a:rPr lang="en-IN" dirty="0" smtClean="0"/>
+              <a:t>Develop </a:t>
+            </a:r>
+            <a:r>
+              <a:rPr lang="en-IN" dirty="0"/>
+              <a:t>a 3d objects for phone and </a:t>
+            </a:r>
+            <a:r>
+              <a:rPr lang="en-IN" dirty="0" smtClean="0"/>
+              <a:t>laptop(8)</a:t>
+            </a:r>
+          </a:p>
+          <a:p>
+            <a:r>
+              <a:rPr lang="en-IN" dirty="0"/>
+              <a:t>Prepare presentation for </a:t>
+            </a:r>
+            <a:r>
+              <a:rPr lang="en-IN" dirty="0" smtClean="0"/>
+              <a:t>release(8)</a:t>
+            </a:r>
+            <a:endParaRPr lang="en-IN" dirty="0"/>
+          </a:p>
+          <a:p>
+            <a:endParaRPr lang="en-IN" dirty="0" smtClean="0"/>
+          </a:p>
+          <a:p>
+            <a:r>
+              <a:rPr lang="en-US" b="1" dirty="0" smtClean="0">
+                <a:solidFill>
+                  <a:srgbClr val="7030A0"/>
+                </a:solidFill>
+                <a:latin typeface="Calibri"/>
+              </a:rPr>
+              <a:t>TEJA</a:t>
+            </a:r>
+            <a:endParaRPr lang="en-US" b="1" dirty="0">
+              <a:solidFill>
+                <a:srgbClr val="7030A0"/>
+              </a:solidFill>
+              <a:latin typeface="Calibri"/>
+            </a:endParaRPr>
+          </a:p>
+          <a:p>
+            <a:r>
+              <a:rPr lang="en-IN" dirty="0" smtClean="0"/>
+              <a:t>Integrate </a:t>
+            </a:r>
+            <a:r>
+              <a:rPr lang="en-IN" dirty="0"/>
+              <a:t>3d objects phone and laptop by replacing with </a:t>
+            </a:r>
+            <a:r>
+              <a:rPr lang="en-IN" dirty="0" smtClean="0"/>
+              <a:t>cube(16)</a:t>
+            </a:r>
+          </a:p>
+          <a:p>
+            <a:endParaRPr lang="en-IN" dirty="0" smtClean="0"/>
+          </a:p>
+          <a:p>
+            <a:r>
+              <a:rPr lang="en-IN" b="1" dirty="0" smtClean="0">
+                <a:solidFill>
+                  <a:srgbClr val="7030A0"/>
+                </a:solidFill>
+                <a:latin typeface="Calibri"/>
+              </a:rPr>
+              <a:t>CHAITANYA</a:t>
+            </a:r>
+            <a:endParaRPr lang="en-IN" dirty="0"/>
+          </a:p>
+          <a:p>
+            <a:r>
+              <a:rPr lang="en-IN" dirty="0"/>
+              <a:t>Explore IBM object detection machine learning </a:t>
+            </a:r>
+            <a:r>
+              <a:rPr lang="en-IN" dirty="0" smtClean="0"/>
+              <a:t>APIS(12)</a:t>
+            </a:r>
+            <a:endParaRPr lang="en-IN" dirty="0"/>
+          </a:p>
+          <a:p>
+            <a:r>
+              <a:rPr lang="en-IN"/>
+              <a:t>wiki </a:t>
+            </a:r>
+            <a:r>
+              <a:rPr lang="en-IN" smtClean="0"/>
+              <a:t>Document-iteration1(4)</a:t>
+            </a:r>
+            <a:endParaRPr lang="en-IN" dirty="0"/>
           </a:p>
         </p:txBody>
       </p:sp>
     </p:spTree>
     <p:extLst>
       <p:ext uri="{BB962C8B-B14F-4D97-AF65-F5344CB8AC3E}">
-        <p14:creationId xmlns:p14="http://schemas.microsoft.com/office/powerpoint/2010/main" val="1396915717"/>
+        <p14:creationId xmlns:p14="http://schemas.microsoft.com/office/powerpoint/2010/main" val="2295916671"/>
       </p:ext>
     </p:extLst>
   </p:cSld>
@@ -12982,195 +13093,79 @@
       </p:grpSpPr>
       <p:sp>
         <p:nvSpPr>
-          <p:cNvPr id="2" name="TextBox 1">
+          <p:cNvPr id="2" name="Title 1">
             <a:extLst>
               <a:ext uri="{FF2B5EF4-FFF2-40B4-BE49-F238E27FC236}">
-                <a16:creationId xmlns:a16="http://schemas.microsoft.com/office/drawing/2014/main" xmlns="" id="{12793AD4-DBC6-42C2-99CE-3E02F60CB9CF}"/>
+                <a16:creationId xmlns:a16="http://schemas.microsoft.com/office/drawing/2014/main" xmlns="" id="{3D9988B3-4C03-4022-BFBD-C66490D35B9B}"/>
               </a:ext>
             </a:extLst>
           </p:cNvPr>
-          <p:cNvSpPr txBox="1"/>
-          <p:nvPr/>
+          <p:cNvSpPr>
+            <a:spLocks noGrp="1"/>
+          </p:cNvSpPr>
+          <p:nvPr>
+            <p:ph type="title"/>
+          </p:nvPr>
         </p:nvSpPr>
         <p:spPr>
           <a:xfrm>
-            <a:off x="3562350" y="428625"/>
-            <a:ext cx="2743200" cy="523220"/>
+            <a:off x="1141413" y="622300"/>
+            <a:ext cx="9905998" cy="1474788"/>
           </a:xfrm>
-          <a:prstGeom prst="rect">
-            <a:avLst/>
-          </a:prstGeom>
         </p:spPr>
-        <p:style>
-          <a:lnRef idx="2">
-            <a:schemeClr val="accent2">
-              <a:shade val="50000"/>
-            </a:schemeClr>
-          </a:lnRef>
-          <a:fillRef idx="1">
-            <a:schemeClr val="accent2"/>
-          </a:fillRef>
-          <a:effectRef idx="0">
-            <a:schemeClr val="accent2"/>
-          </a:effectRef>
-          <a:fontRef idx="minor">
-            <a:schemeClr val="lt1"/>
-          </a:fontRef>
-        </p:style>
         <p:txBody>
-          <a:bodyPr rot="0" spcFirstLastPara="0" vertOverflow="overflow" horzOverflow="overflow" vert="horz" wrap="square" lIns="91440" tIns="45720" rIns="91440" bIns="45720" numCol="1" spcCol="0" rtlCol="0" fromWordArt="0" anchor="t" anchorCtr="0" forceAA="0" compatLnSpc="1">
-            <a:prstTxWarp prst="textNoShape">
-              <a:avLst/>
-            </a:prstTxWarp>
-            <a:spAutoFit/>
-          </a:bodyPr>
+          <a:bodyPr/>
           <a:lstStyle/>
           <a:p>
-            <a:pPr algn="ctr"/>
-            <a:r>
-              <a:rPr lang="en-US" sz="2800" b="1" dirty="0"/>
-              <a:t>TECHNOLOGIES</a:t>
-            </a:r>
+            <a:r>
+              <a:rPr lang="en-US" dirty="0" smtClean="0">
+                <a:solidFill>
+                  <a:schemeClr val="tx1"/>
+                </a:solidFill>
+              </a:rPr>
+              <a:t>PHONE</a:t>
+            </a:r>
+            <a:endParaRPr lang="en-US" dirty="0">
+              <a:solidFill>
+                <a:schemeClr val="tx1"/>
+              </a:solidFill>
+            </a:endParaRPr>
           </a:p>
         </p:txBody>
       </p:sp>
-      <p:sp>
-        <p:nvSpPr>
-          <p:cNvPr id="3" name="TextBox 2">
+      <p:pic>
+        <p:nvPicPr>
+          <p:cNvPr id="4" name="Content Placeholder 3"/>
+          <p:cNvPicPr>
+            <a:picLocks noGrp="1" noChangeAspect="1"/>
+          </p:cNvPicPr>
+          <p:nvPr>
+            <p:ph idx="1"/>
+          </p:nvPr>
+        </p:nvPicPr>
+        <p:blipFill>
+          <a:blip r:embed="rId2">
             <a:extLst>
-              <a:ext uri="{FF2B5EF4-FFF2-40B4-BE49-F238E27FC236}">
-                <a16:creationId xmlns:a16="http://schemas.microsoft.com/office/drawing/2014/main" xmlns="" id="{1223FD59-B8E4-4DB0-94DA-DEAE6C3FA320}"/>
+              <a:ext uri="{28A0092B-C50C-407E-A947-70E740481C1C}">
+                <a14:useLocalDpi xmlns:a14="http://schemas.microsoft.com/office/drawing/2010/main" val="0"/>
               </a:ext>
             </a:extLst>
-          </p:cNvPr>
-          <p:cNvSpPr txBox="1"/>
-          <p:nvPr/>
-        </p:nvSpPr>
+          </a:blip>
+          <a:stretch>
+            <a:fillRect/>
+          </a:stretch>
+        </p:blipFill>
         <p:spPr>
           <a:xfrm>
-            <a:off x="1200150" y="1476375"/>
-            <a:ext cx="8365165" cy="3046988"/>
+            <a:off x="2868497" y="2249488"/>
+            <a:ext cx="6451832" cy="3541712"/>
           </a:xfrm>
-          <a:prstGeom prst="rect">
-            <a:avLst/>
-          </a:prstGeom>
         </p:spPr>
-        <p:txBody>
-          <a:bodyPr rot="0" spcFirstLastPara="0" vertOverflow="overflow" horzOverflow="overflow" vert="horz" wrap="square" lIns="91440" tIns="45720" rIns="91440" bIns="45720" numCol="1" spcCol="0" rtlCol="0" fromWordArt="0" anchor="t" anchorCtr="0" forceAA="0" compatLnSpc="1">
-            <a:prstTxWarp prst="textNoShape">
-              <a:avLst/>
-            </a:prstTxWarp>
-            <a:spAutoFit/>
-          </a:bodyPr>
-          <a:lstStyle/>
-          <a:p>
-            <a:r>
-              <a:rPr lang="en-US" dirty="0"/>
-              <a:t>Front End: 	</a:t>
-            </a:r>
-            <a:r>
-              <a:rPr lang="en-US" dirty="0" err="1"/>
-              <a:t>AngularJs</a:t>
-            </a:r>
-            <a:endParaRPr lang="en-US" dirty="0"/>
-          </a:p>
-          <a:p>
-            <a:r>
-              <a:rPr lang="en-US" dirty="0"/>
-              <a:t>Backend:		</a:t>
-            </a:r>
-            <a:r>
-              <a:rPr lang="en-US" dirty="0" err="1"/>
-              <a:t>NodeJs</a:t>
-            </a:r>
-            <a:r>
-              <a:rPr lang="en-US" dirty="0"/>
-              <a:t>, </a:t>
-            </a:r>
-            <a:r>
-              <a:rPr lang="en-US" dirty="0" err="1"/>
-              <a:t>ExpressJs</a:t>
-            </a:r>
-            <a:r>
-              <a:rPr lang="en-US" dirty="0"/>
-              <a:t>, MongoDB</a:t>
-            </a:r>
-          </a:p>
-          <a:p>
-            <a:r>
-              <a:rPr lang="en-US" dirty="0"/>
-              <a:t>AR technologies Blender, Unity.</a:t>
-            </a:r>
-          </a:p>
-          <a:p>
-            <a:r>
-              <a:rPr lang="en-US" dirty="0"/>
-              <a:t>Technologies might change if Android app is created.</a:t>
-            </a:r>
-          </a:p>
-          <a:p>
-            <a:pPr marL="285750" indent="-285750">
-              <a:buFont typeface="Wingdings"/>
-              <a:buChar char="Ø"/>
-            </a:pPr>
-            <a:endParaRPr lang="en-US" sz="2400" dirty="0"/>
-          </a:p>
-          <a:p>
-            <a:r>
-              <a:rPr lang="en-US" sz="2400" b="1" dirty="0">
-                <a:solidFill>
-                  <a:srgbClr val="7030A0"/>
-                </a:solidFill>
-              </a:rPr>
-              <a:t>Task responsibility:</a:t>
-            </a:r>
-          </a:p>
-          <a:p>
-            <a:pPr marL="342900" indent="-342900">
-              <a:buFont typeface="Wingdings"/>
-              <a:buChar char="Ø"/>
-            </a:pPr>
-            <a:r>
-              <a:rPr lang="en-US" sz="2400" dirty="0" err="1"/>
-              <a:t>Gani</a:t>
-            </a:r>
-            <a:r>
-              <a:rPr lang="en-US" sz="2400" dirty="0"/>
-              <a:t> and Madhukar : Design &amp; Implementation</a:t>
-            </a:r>
-          </a:p>
-          <a:p>
-            <a:pPr marL="342900" indent="-342900">
-              <a:buFont typeface="Wingdings"/>
-              <a:buChar char="Ø"/>
-            </a:pPr>
-            <a:r>
-              <a:rPr lang="en-US" sz="2400" dirty="0" err="1" smtClean="0"/>
-              <a:t>Shailesh</a:t>
-            </a:r>
-            <a:r>
-              <a:rPr lang="en-US" sz="2400" dirty="0" smtClean="0"/>
-              <a:t> and </a:t>
-            </a:r>
-            <a:r>
-              <a:rPr lang="en-US" sz="2400" dirty="0" err="1" smtClean="0"/>
-              <a:t>Teja</a:t>
-            </a:r>
-            <a:r>
-              <a:rPr lang="en-US" sz="2400" dirty="0" smtClean="0"/>
-              <a:t>: </a:t>
-            </a:r>
-            <a:r>
-              <a:rPr lang="en-US" sz="2400" dirty="0"/>
-              <a:t>Doing R&amp;D on 3D modelling and unity and continuing implementation with other two.</a:t>
-            </a:r>
-          </a:p>
-        </p:txBody>
-      </p:sp>
+      </p:pic>
     </p:spTree>
     <p:extLst>
       <p:ext uri="{BB962C8B-B14F-4D97-AF65-F5344CB8AC3E}">
-        <p14:creationId xmlns:p14="http://schemas.microsoft.com/office/powerpoint/2010/main" val="3747479863"/>
+        <p14:creationId xmlns:p14="http://schemas.microsoft.com/office/powerpoint/2010/main" val="1224397518"/>
       </p:ext>
     </p:extLst>
   </p:cSld>
@@ -13199,148 +13194,75 @@
       </p:grpSpPr>
       <p:sp>
         <p:nvSpPr>
-          <p:cNvPr id="2" name="TextBox 1">
+          <p:cNvPr id="2" name="Title 1">
             <a:extLst>
               <a:ext uri="{FF2B5EF4-FFF2-40B4-BE49-F238E27FC236}">
-                <a16:creationId xmlns:a16="http://schemas.microsoft.com/office/drawing/2014/main" xmlns="" id="{45D4B40C-5EC9-4D2F-9D8E-D82F85453928}"/>
+                <a16:creationId xmlns:a16="http://schemas.microsoft.com/office/drawing/2014/main" xmlns="" id="{3D9988B3-4C03-4022-BFBD-C66490D35B9B}"/>
               </a:ext>
             </a:extLst>
           </p:cNvPr>
-          <p:cNvSpPr txBox="1"/>
-          <p:nvPr/>
+          <p:cNvSpPr>
+            <a:spLocks noGrp="1"/>
+          </p:cNvSpPr>
+          <p:nvPr>
+            <p:ph type="title"/>
+          </p:nvPr>
         </p:nvSpPr>
         <p:spPr>
           <a:xfrm>
-            <a:off x="3476625" y="276225"/>
-            <a:ext cx="2743200" cy="523220"/>
+            <a:off x="1141413" y="622300"/>
+            <a:ext cx="9905998" cy="1474788"/>
           </a:xfrm>
-          <a:prstGeom prst="rect">
-            <a:avLst/>
-          </a:prstGeom>
         </p:spPr>
-        <p:style>
-          <a:lnRef idx="2">
-            <a:schemeClr val="accent2">
-              <a:shade val="50000"/>
-            </a:schemeClr>
-          </a:lnRef>
-          <a:fillRef idx="1">
-            <a:schemeClr val="accent2"/>
-          </a:fillRef>
-          <a:effectRef idx="0">
-            <a:schemeClr val="accent2"/>
-          </a:effectRef>
-          <a:fontRef idx="minor">
-            <a:schemeClr val="lt1"/>
-          </a:fontRef>
-        </p:style>
         <p:txBody>
-          <a:bodyPr rot="0" spcFirstLastPara="0" vertOverflow="overflow" horzOverflow="overflow" vert="horz" wrap="square" lIns="91440" tIns="45720" rIns="91440" bIns="45720" numCol="1" spcCol="0" rtlCol="0" fromWordArt="0" anchor="t" anchorCtr="0" forceAA="0" compatLnSpc="1">
-            <a:prstTxWarp prst="textNoShape">
-              <a:avLst/>
-            </a:prstTxWarp>
-            <a:spAutoFit/>
-          </a:bodyPr>
+          <a:bodyPr/>
           <a:lstStyle/>
           <a:p>
-            <a:pPr algn="ctr"/>
-            <a:r>
-              <a:rPr lang="en-US" sz="2800" b="1" dirty="0"/>
-              <a:t>BIBLIOGRAPHY</a:t>
-            </a:r>
+            <a:r>
+              <a:rPr lang="en-US" dirty="0" smtClean="0"/>
+              <a:t>Laptop</a:t>
+            </a:r>
+            <a:endParaRPr lang="en-US" dirty="0">
+              <a:solidFill>
+                <a:schemeClr val="tx1"/>
+              </a:solidFill>
+            </a:endParaRPr>
           </a:p>
         </p:txBody>
       </p:sp>
-      <p:sp>
-        <p:nvSpPr>
-          <p:cNvPr id="3" name="TextBox 2">
+      <p:pic>
+        <p:nvPicPr>
+          <p:cNvPr id="5" name="Content Placeholder 4"/>
+          <p:cNvPicPr>
+            <a:picLocks noGrp="1" noChangeAspect="1"/>
+          </p:cNvPicPr>
+          <p:nvPr>
+            <p:ph idx="1"/>
+          </p:nvPr>
+        </p:nvPicPr>
+        <p:blipFill>
+          <a:blip r:embed="rId2">
             <a:extLst>
-              <a:ext uri="{FF2B5EF4-FFF2-40B4-BE49-F238E27FC236}">
-                <a16:creationId xmlns:a16="http://schemas.microsoft.com/office/drawing/2014/main" xmlns="" id="{696D0876-37C0-4E84-B3C1-DF08200BFE70}"/>
+              <a:ext uri="{28A0092B-C50C-407E-A947-70E740481C1C}">
+                <a14:useLocalDpi xmlns:a14="http://schemas.microsoft.com/office/drawing/2010/main" val="0"/>
               </a:ext>
             </a:extLst>
-          </p:cNvPr>
-          <p:cNvSpPr txBox="1"/>
-          <p:nvPr/>
-        </p:nvSpPr>
+          </a:blip>
+          <a:stretch>
+            <a:fillRect/>
+          </a:stretch>
+        </p:blipFill>
         <p:spPr>
           <a:xfrm>
-            <a:off x="1076325" y="1495425"/>
-            <a:ext cx="9817593" cy="2400657"/>
+            <a:off x="2961058" y="2249488"/>
+            <a:ext cx="6266709" cy="3541712"/>
           </a:xfrm>
-          <a:prstGeom prst="rect">
-            <a:avLst/>
-          </a:prstGeom>
         </p:spPr>
-        <p:txBody>
-          <a:bodyPr rot="0" spcFirstLastPara="0" vertOverflow="overflow" horzOverflow="overflow" vert="horz" wrap="square" lIns="91440" tIns="45720" rIns="91440" bIns="45720" numCol="1" spcCol="0" rtlCol="0" fromWordArt="0" anchor="t" anchorCtr="0" forceAA="0" compatLnSpc="1">
-            <a:prstTxWarp prst="textNoShape">
-              <a:avLst/>
-            </a:prstTxWarp>
-            <a:spAutoFit/>
-          </a:bodyPr>
-          <a:lstStyle/>
-          <a:p>
-            <a:pPr marL="285750" indent="-285750">
-              <a:buFont typeface="Wingdings"/>
-              <a:buChar char="Ø"/>
-            </a:pPr>
-            <a:endParaRPr lang="en-US" sz="2400" dirty="0"/>
-          </a:p>
-          <a:p>
-            <a:r>
-              <a:rPr lang="en-US" u="sng" dirty="0">
-                <a:hlinkClick r:id="rId2"/>
-              </a:rPr>
-              <a:t>https://marketingland.com/social-media-advertising-set-explode-next-3-years-121691</a:t>
-            </a:r>
-            <a:endParaRPr lang="en-US" dirty="0"/>
-          </a:p>
-          <a:p>
-            <a:r>
-              <a:rPr lang="en-US" u="sng" dirty="0">
-                <a:hlinkClick r:id="rId3"/>
-              </a:rPr>
-              <a:t>http://www.adweek.com/digital/james-jorner-effective-inbound-marketing-guest-post-augmented-reality/</a:t>
-            </a:r>
-            <a:endParaRPr lang="en-US" dirty="0"/>
-          </a:p>
-          <a:p>
-            <a:r>
-              <a:rPr lang="en-US" u="sng" dirty="0">
-                <a:hlinkClick r:id="rId4"/>
-              </a:rPr>
-              <a:t>http://mediakix.com/2017/05/augmented-reality-social-media-trends-future/#gs.sIgUebA</a:t>
-            </a:r>
-            <a:endParaRPr lang="en-US" dirty="0"/>
-          </a:p>
-          <a:p>
-            <a:r>
-              <a:rPr lang="en-US" u="sng" dirty="0">
-                <a:hlinkClick r:id="rId5"/>
-              </a:rPr>
-              <a:t>https://www.imore.com/best-ar-experiences-social-media-right-now</a:t>
-            </a:r>
-            <a:endParaRPr lang="en-US" dirty="0"/>
-          </a:p>
-          <a:p>
-            <a:r>
-              <a:rPr lang="en-US" dirty="0">
-                <a:hlinkClick r:id="rId6"/>
-              </a:rPr>
-              <a:t>https://socialmediaweek.org/blog/2017/08/future-influencer-marketing-augmented-reality/</a:t>
-            </a:r>
-            <a:endParaRPr lang="en-US" dirty="0"/>
-          </a:p>
-          <a:p>
-            <a:endParaRPr lang="en-US" dirty="0"/>
-          </a:p>
-        </p:txBody>
-      </p:sp>
+      </p:pic>
     </p:spTree>
     <p:extLst>
       <p:ext uri="{BB962C8B-B14F-4D97-AF65-F5344CB8AC3E}">
-        <p14:creationId xmlns:p14="http://schemas.microsoft.com/office/powerpoint/2010/main" val="979212627"/>
+        <p14:creationId xmlns:p14="http://schemas.microsoft.com/office/powerpoint/2010/main" val="1396915717"/>
       </p:ext>
     </p:extLst>
   </p:cSld>
@@ -13372,7 +13294,7 @@
           <p:cNvPr id="2" name="TextBox 1">
             <a:extLst>
               <a:ext uri="{FF2B5EF4-FFF2-40B4-BE49-F238E27FC236}">
-                <a16:creationId xmlns:a16="http://schemas.microsoft.com/office/drawing/2014/main" xmlns="" id="{B6EB4DF6-9B86-4E39-B40A-0C8088EA719E}"/>
+                <a16:creationId xmlns:a16="http://schemas.microsoft.com/office/drawing/2014/main" xmlns="" id="{1D9C32A4-AC66-43E9-90C9-A0994F0AEC90}"/>
               </a:ext>
             </a:extLst>
           </p:cNvPr>
@@ -13381,25 +13303,27 @@
         </p:nvSpPr>
         <p:spPr>
           <a:xfrm>
-            <a:off x="2867025" y="2676525"/>
-            <a:ext cx="4823903" cy="1015663"/>
+            <a:off x="665163" y="390525"/>
+            <a:ext cx="8685212" cy="523220"/>
           </a:xfrm>
           <a:prstGeom prst="rect">
             <a:avLst/>
           </a:prstGeom>
         </p:spPr>
         <p:style>
-          <a:lnRef idx="1">
-            <a:schemeClr val="accent2"/>
+          <a:lnRef idx="2">
+            <a:schemeClr val="accent1">
+              <a:shade val="50000"/>
+            </a:schemeClr>
           </a:lnRef>
-          <a:fillRef idx="2">
-            <a:schemeClr val="accent2"/>
+          <a:fillRef idx="1">
+            <a:schemeClr val="accent1"/>
           </a:fillRef>
-          <a:effectRef idx="1">
-            <a:schemeClr val="accent2"/>
+          <a:effectRef idx="0">
+            <a:schemeClr val="accent1"/>
           </a:effectRef>
           <a:fontRef idx="minor">
-            <a:schemeClr val="dk1"/>
+            <a:schemeClr val="lt1"/>
           </a:fontRef>
         </p:style>
         <p:txBody>
@@ -13413,16 +13337,102 @@
           <a:p>
             <a:pPr algn="ctr"/>
             <a:r>
-              <a:rPr lang="en-US" sz="6000" dirty="0"/>
-              <a:t>THANK YOU!!</a:t>
-            </a:r>
+              <a:rPr lang="en-US" sz="2800" b="1" dirty="0" smtClean="0"/>
+              <a:t>LIMITATIONS</a:t>
+            </a:r>
+            <a:endParaRPr lang="en-US" sz="2800" b="1" dirty="0"/>
+          </a:p>
+        </p:txBody>
+      </p:sp>
+      <p:sp>
+        <p:nvSpPr>
+          <p:cNvPr id="3" name="TextBox 2">
+            <a:extLst>
+              <a:ext uri="{FF2B5EF4-FFF2-40B4-BE49-F238E27FC236}">
+                <a16:creationId xmlns:a16="http://schemas.microsoft.com/office/drawing/2014/main" xmlns="" id="{722284D3-9D39-4BB1-A7CC-3EE2333811BE}"/>
+              </a:ext>
+            </a:extLst>
+          </p:cNvPr>
+          <p:cNvSpPr txBox="1"/>
+          <p:nvPr/>
+        </p:nvSpPr>
+        <p:spPr>
+          <a:xfrm>
+            <a:off x="647700" y="1666875"/>
+            <a:ext cx="9302159" cy="923330"/>
+          </a:xfrm>
+          <a:prstGeom prst="rect">
+            <a:avLst/>
+          </a:prstGeom>
+        </p:spPr>
+        <p:txBody>
+          <a:bodyPr rot="0" spcFirstLastPara="0" vertOverflow="overflow" horzOverflow="overflow" vert="horz" wrap="square" lIns="91440" tIns="45720" rIns="91440" bIns="45720" numCol="1" spcCol="0" rtlCol="0" fromWordArt="0" anchor="t" anchorCtr="0" forceAA="0" compatLnSpc="1">
+            <a:prstTxWarp prst="textNoShape">
+              <a:avLst/>
+            </a:prstTxWarp>
+            <a:spAutoFit/>
+          </a:bodyPr>
+          <a:lstStyle/>
+          <a:p>
+            <a:r>
+              <a:rPr lang="en-US" b="1" dirty="0" smtClean="0">
+                <a:solidFill>
+                  <a:srgbClr val="7030A0"/>
+                </a:solidFill>
+                <a:latin typeface="Calibri"/>
+              </a:rPr>
+              <a:t>The </a:t>
+            </a:r>
+            <a:r>
+              <a:rPr lang="en-US" b="1" dirty="0" smtClean="0">
+                <a:solidFill>
+                  <a:srgbClr val="7030A0"/>
+                </a:solidFill>
+                <a:latin typeface="Calibri"/>
+              </a:rPr>
+              <a:t>idea </a:t>
+            </a:r>
+            <a:r>
+              <a:rPr lang="en-US" b="1" dirty="0" smtClean="0">
+                <a:solidFill>
+                  <a:srgbClr val="7030A0"/>
+                </a:solidFill>
+                <a:latin typeface="Calibri"/>
+              </a:rPr>
+              <a:t>is being restricted to one AR model(either laptop or phone)</a:t>
+            </a:r>
+          </a:p>
+          <a:p>
+            <a:endParaRPr lang="en-US" b="1" dirty="0">
+              <a:solidFill>
+                <a:srgbClr val="7030A0"/>
+              </a:solidFill>
+              <a:latin typeface="Calibri"/>
+            </a:endParaRPr>
+          </a:p>
+          <a:p>
+            <a:r>
+              <a:rPr lang="en-US" b="1" dirty="0" smtClean="0">
+                <a:solidFill>
+                  <a:srgbClr val="7030A0"/>
+                </a:solidFill>
+                <a:latin typeface="Calibri"/>
+              </a:rPr>
+              <a:t>If time permits, project will be completed for both phone and laptop AR models</a:t>
+            </a:r>
+            <a:endParaRPr lang="en-US" b="1" dirty="0">
+              <a:solidFill>
+                <a:srgbClr val="7030A0"/>
+              </a:solidFill>
+              <a:latin typeface="Calibri"/>
+            </a:endParaRPr>
           </a:p>
         </p:txBody>
       </p:sp>
     </p:spTree>
     <p:extLst>
       <p:ext uri="{BB962C8B-B14F-4D97-AF65-F5344CB8AC3E}">
-        <p14:creationId xmlns:p14="http://schemas.microsoft.com/office/powerpoint/2010/main" val="3075835916"/>
+        <p14:creationId xmlns:p14="http://schemas.microsoft.com/office/powerpoint/2010/main" val="1850081700"/>
       </p:ext>
     </p:extLst>
   </p:cSld>
